--- a/Documents/FULL STACK DEVELOPMENT - Day 08.pptx
+++ b/Documents/FULL STACK DEVELOPMENT - Day 08.pptx
@@ -117,6 +117,11 @@
       </a:defRPr>
     </a:lvl9pPr>
   </p:defaultTextStyle>
+  <p:extLst>
+    <p:ext uri="{EFAFB233-063F-42B5-8137-9DF3F51BA10A}">
+      <p15:sldGuideLst xmlns:p15="http://schemas.microsoft.com/office/powerpoint/2012/main"/>
+    </p:ext>
+  </p:extLst>
 </p:presentation>
 </file>
 
@@ -516,7 +521,7 @@
           <p:nvPr/>
         </p:nvPicPr>
         <p:blipFill>
-          <a:blip r:embed="rId3">
+          <a:blip r:embed="rId3" cstate="print">
             <a:extLst>
               <a:ext uri="{28A0092B-C50C-407E-A947-70E740481C1C}">
                 <a14:useLocalDpi xmlns:a14="http://schemas.microsoft.com/office/drawing/2010/main" val="0"/>
@@ -930,7 +935,7 @@
           <p:nvPr/>
         </p:nvPicPr>
         <p:blipFill>
-          <a:blip r:embed="rId3">
+          <a:blip r:embed="rId3" cstate="print">
             <a:extLst>
               <a:ext uri="{28A0092B-C50C-407E-A947-70E740481C1C}">
                 <a14:useLocalDpi xmlns:a14="http://schemas.microsoft.com/office/drawing/2010/main" val="0"/>
@@ -1266,7 +1271,7 @@
           <p:nvPr/>
         </p:nvPicPr>
         <p:blipFill>
-          <a:blip r:embed="rId3">
+          <a:blip r:embed="rId3" cstate="print">
             <a:extLst>
               <a:ext uri="{28A0092B-C50C-407E-A947-70E740481C1C}">
                 <a14:useLocalDpi xmlns:a14="http://schemas.microsoft.com/office/drawing/2010/main" val="0"/>
@@ -1903,7 +1908,7 @@
           <p:nvPr/>
         </p:nvPicPr>
         <p:blipFill>
-          <a:blip r:embed="rId3">
+          <a:blip r:embed="rId3" cstate="print">
             <a:extLst>
               <a:ext uri="{28A0092B-C50C-407E-A947-70E740481C1C}">
                 <a14:useLocalDpi xmlns:a14="http://schemas.microsoft.com/office/drawing/2010/main" val="0"/>
@@ -2239,7 +2244,7 @@
           <p:nvPr/>
         </p:nvPicPr>
         <p:blipFill>
-          <a:blip r:embed="rId3">
+          <a:blip r:embed="rId3" cstate="print">
             <a:extLst>
               <a:ext uri="{28A0092B-C50C-407E-A947-70E740481C1C}">
                 <a14:useLocalDpi xmlns:a14="http://schemas.microsoft.com/office/drawing/2010/main" val="0"/>
@@ -2915,7 +2920,7 @@
           <p:nvPr/>
         </p:nvPicPr>
         <p:blipFill>
-          <a:blip r:embed="rId3">
+          <a:blip r:embed="rId3" cstate="print">
             <a:extLst>
               <a:ext uri="{28A0092B-C50C-407E-A947-70E740481C1C}">
                 <a14:useLocalDpi xmlns:a14="http://schemas.microsoft.com/office/drawing/2010/main" val="0"/>
@@ -3828,7 +3833,7 @@
           <p:nvPr/>
         </p:nvPicPr>
         <p:blipFill>
-          <a:blip r:embed="rId3">
+          <a:blip r:embed="rId3" cstate="print">
             <a:extLst>
               <a:ext uri="{28A0092B-C50C-407E-A947-70E740481C1C}">
                 <a14:useLocalDpi xmlns:a14="http://schemas.microsoft.com/office/drawing/2010/main" val="0"/>
@@ -4419,7 +4424,7 @@
           <p:nvPr/>
         </p:nvPicPr>
         <p:blipFill>
-          <a:blip r:embed="rId3">
+          <a:blip r:embed="rId3" cstate="print">
             <a:extLst>
               <a:ext uri="{28A0092B-C50C-407E-A947-70E740481C1C}">
                 <a14:useLocalDpi xmlns:a14="http://schemas.microsoft.com/office/drawing/2010/main" val="0"/>
@@ -4728,7 +4733,7 @@
           <p:nvPr/>
         </p:nvPicPr>
         <p:blipFill>
-          <a:blip r:embed="rId3">
+          <a:blip r:embed="rId3" cstate="print">
             <a:extLst>
               <a:ext uri="{28A0092B-C50C-407E-A947-70E740481C1C}">
                 <a14:useLocalDpi xmlns:a14="http://schemas.microsoft.com/office/drawing/2010/main" val="0"/>
@@ -5122,7 +5127,7 @@
           <p:nvPr/>
         </p:nvPicPr>
         <p:blipFill>
-          <a:blip r:embed="rId3">
+          <a:blip r:embed="rId3" cstate="print">
             <a:extLst>
               <a:ext uri="{28A0092B-C50C-407E-A947-70E740481C1C}">
                 <a14:useLocalDpi xmlns:a14="http://schemas.microsoft.com/office/drawing/2010/main" val="0"/>
@@ -5493,7 +5498,7 @@
           <p:nvPr/>
         </p:nvPicPr>
         <p:blipFill>
-          <a:blip r:embed="rId3">
+          <a:blip r:embed="rId3" cstate="print">
             <a:extLst>
               <a:ext uri="{28A0092B-C50C-407E-A947-70E740481C1C}">
                 <a14:useLocalDpi xmlns:a14="http://schemas.microsoft.com/office/drawing/2010/main" val="0"/>
@@ -5999,7 +6004,7 @@
           <p:nvPr/>
         </p:nvPicPr>
         <p:blipFill>
-          <a:blip r:embed="rId3">
+          <a:blip r:embed="rId3" cstate="print">
             <a:extLst>
               <a:ext uri="{28A0092B-C50C-407E-A947-70E740481C1C}">
                 <a14:useLocalDpi xmlns:a14="http://schemas.microsoft.com/office/drawing/2010/main" val="0"/>
@@ -6226,7 +6231,7 @@
           <p:nvPr/>
         </p:nvPicPr>
         <p:blipFill>
-          <a:blip r:embed="rId2">
+          <a:blip r:embed="rId2" cstate="print">
             <a:extLst>
               <a:ext uri="{28A0092B-C50C-407E-A947-70E740481C1C}">
                 <a14:useLocalDpi xmlns:a14="http://schemas.microsoft.com/office/drawing/2010/main" val="0"/>
@@ -6419,7 +6424,7 @@
           <p:nvPr/>
         </p:nvPicPr>
         <p:blipFill>
-          <a:blip r:embed="rId3">
+          <a:blip r:embed="rId3" cstate="print">
             <a:extLst>
               <a:ext uri="{28A0092B-C50C-407E-A947-70E740481C1C}">
                 <a14:useLocalDpi xmlns:a14="http://schemas.microsoft.com/office/drawing/2010/main" val="0"/>
@@ -6809,7 +6814,7 @@
           <p:nvPr/>
         </p:nvPicPr>
         <p:blipFill>
-          <a:blip r:embed="rId3">
+          <a:blip r:embed="rId3" cstate="print">
             <a:extLst>
               <a:ext uri="{28A0092B-C50C-407E-A947-70E740481C1C}">
                 <a14:useLocalDpi xmlns:a14="http://schemas.microsoft.com/office/drawing/2010/main" val="0"/>
@@ -7761,7 +7766,7 @@
           <p:cNvPr id="6" name="Title 1">
             <a:extLst>
               <a:ext uri="{FF2B5EF4-FFF2-40B4-BE49-F238E27FC236}">
-                <a16:creationId xmlns:a16="http://schemas.microsoft.com/office/drawing/2014/main" id="{CDCF9FC4-962B-4A03-AEF3-923DDA2ECA4B}"/>
+                <a16:creationId xmlns:a16="http://schemas.microsoft.com/office/drawing/2014/main" xmlns="" id="{CDCF9FC4-962B-4A03-AEF3-923DDA2ECA4B}"/>
               </a:ext>
             </a:extLst>
           </p:cNvPr>
@@ -7795,7 +7800,7 @@
           <p:cNvPr id="7" name="Subtitle 2">
             <a:extLst>
               <a:ext uri="{FF2B5EF4-FFF2-40B4-BE49-F238E27FC236}">
-                <a16:creationId xmlns:a16="http://schemas.microsoft.com/office/drawing/2014/main" id="{975E3506-642F-481D-81A2-C63B325FF020}"/>
+                <a16:creationId xmlns:a16="http://schemas.microsoft.com/office/drawing/2014/main" xmlns="" id="{975E3506-642F-481D-81A2-C63B325FF020}"/>
               </a:ext>
             </a:extLst>
           </p:cNvPr>
@@ -7865,7 +7870,7 @@
           <p:cNvPr id="2" name="Title 1">
             <a:extLst>
               <a:ext uri="{FF2B5EF4-FFF2-40B4-BE49-F238E27FC236}">
-                <a16:creationId xmlns:a16="http://schemas.microsoft.com/office/drawing/2014/main" id="{AA79DED3-593B-41BC-9623-C12FA713AAEF}"/>
+                <a16:creationId xmlns:a16="http://schemas.microsoft.com/office/drawing/2014/main" xmlns="" id="{AA79DED3-593B-41BC-9623-C12FA713AAEF}"/>
               </a:ext>
             </a:extLst>
           </p:cNvPr>
@@ -7894,7 +7899,7 @@
           <p:cNvPr id="7" name="Rectangle 6">
             <a:extLst>
               <a:ext uri="{FF2B5EF4-FFF2-40B4-BE49-F238E27FC236}">
-                <a16:creationId xmlns:a16="http://schemas.microsoft.com/office/drawing/2014/main" id="{73016E3B-5162-4ED3-BEC9-86316DB30EFE}"/>
+                <a16:creationId xmlns:a16="http://schemas.microsoft.com/office/drawing/2014/main" xmlns="" id="{73016E3B-5162-4ED3-BEC9-86316DB30EFE}"/>
               </a:ext>
             </a:extLst>
           </p:cNvPr>
@@ -8108,7 +8113,7 @@
           <p:cNvPr id="9" name="TextBox 8">
             <a:extLst>
               <a:ext uri="{FF2B5EF4-FFF2-40B4-BE49-F238E27FC236}">
-                <a16:creationId xmlns:a16="http://schemas.microsoft.com/office/drawing/2014/main" id="{3D2E68F9-76AA-483D-9D36-3FBCCEF2676C}"/>
+                <a16:creationId xmlns:a16="http://schemas.microsoft.com/office/drawing/2014/main" xmlns="" id="{3D2E68F9-76AA-483D-9D36-3FBCCEF2676C}"/>
               </a:ext>
             </a:extLst>
           </p:cNvPr>
@@ -8148,6 +8153,13 @@
   <p:clrMapOvr>
     <a:masterClrMapping/>
   </p:clrMapOvr>
+  <p:timing>
+    <p:tnLst>
+      <p:par>
+        <p:cTn id="1" dur="indefinite" restart="never" nodeType="tmRoot"/>
+      </p:par>
+    </p:tnLst>
+  </p:timing>
 </p:sld>
 </file>
 
@@ -8173,7 +8185,7 @@
           <p:cNvPr id="2" name="Title 1">
             <a:extLst>
               <a:ext uri="{FF2B5EF4-FFF2-40B4-BE49-F238E27FC236}">
-                <a16:creationId xmlns:a16="http://schemas.microsoft.com/office/drawing/2014/main" id="{AA79DED3-593B-41BC-9623-C12FA713AAEF}"/>
+                <a16:creationId xmlns:a16="http://schemas.microsoft.com/office/drawing/2014/main" xmlns="" id="{AA79DED3-593B-41BC-9623-C12FA713AAEF}"/>
               </a:ext>
             </a:extLst>
           </p:cNvPr>
@@ -8202,7 +8214,7 @@
           <p:cNvPr id="7" name="Rectangle 6">
             <a:extLst>
               <a:ext uri="{FF2B5EF4-FFF2-40B4-BE49-F238E27FC236}">
-                <a16:creationId xmlns:a16="http://schemas.microsoft.com/office/drawing/2014/main" id="{73016E3B-5162-4ED3-BEC9-86316DB30EFE}"/>
+                <a16:creationId xmlns:a16="http://schemas.microsoft.com/office/drawing/2014/main" xmlns="" id="{73016E3B-5162-4ED3-BEC9-86316DB30EFE}"/>
               </a:ext>
             </a:extLst>
           </p:cNvPr>
@@ -8273,7 +8285,7 @@
           <p:cNvPr id="5" name="Rectangle 4">
             <a:extLst>
               <a:ext uri="{FF2B5EF4-FFF2-40B4-BE49-F238E27FC236}">
-                <a16:creationId xmlns:a16="http://schemas.microsoft.com/office/drawing/2014/main" id="{CA5FC7F0-FA14-4D8C-9944-88068BA5E19A}"/>
+                <a16:creationId xmlns:a16="http://schemas.microsoft.com/office/drawing/2014/main" xmlns="" id="{CA5FC7F0-FA14-4D8C-9944-88068BA5E19A}"/>
               </a:ext>
             </a:extLst>
           </p:cNvPr>
@@ -8326,6 +8338,13 @@
   <p:clrMapOvr>
     <a:masterClrMapping/>
   </p:clrMapOvr>
+  <p:timing>
+    <p:tnLst>
+      <p:par>
+        <p:cTn id="1" dur="indefinite" restart="never" nodeType="tmRoot"/>
+      </p:par>
+    </p:tnLst>
+  </p:timing>
 </p:sld>
 </file>
 
@@ -8351,7 +8370,7 @@
           <p:cNvPr id="2" name="Title 1">
             <a:extLst>
               <a:ext uri="{FF2B5EF4-FFF2-40B4-BE49-F238E27FC236}">
-                <a16:creationId xmlns:a16="http://schemas.microsoft.com/office/drawing/2014/main" id="{AA79DED3-593B-41BC-9623-C12FA713AAEF}"/>
+                <a16:creationId xmlns:a16="http://schemas.microsoft.com/office/drawing/2014/main" xmlns="" id="{AA79DED3-593B-41BC-9623-C12FA713AAEF}"/>
               </a:ext>
             </a:extLst>
           </p:cNvPr>
@@ -8380,7 +8399,7 @@
           <p:cNvPr id="3" name="Picture 2">
             <a:extLst>
               <a:ext uri="{FF2B5EF4-FFF2-40B4-BE49-F238E27FC236}">
-                <a16:creationId xmlns:a16="http://schemas.microsoft.com/office/drawing/2014/main" id="{63603F18-DB8A-402B-97B8-BF17861398CD}"/>
+                <a16:creationId xmlns:a16="http://schemas.microsoft.com/office/drawing/2014/main" xmlns="" id="{63603F18-DB8A-402B-97B8-BF17861398CD}"/>
               </a:ext>
             </a:extLst>
           </p:cNvPr>
@@ -8427,6 +8446,13 @@
   <p:clrMapOvr>
     <a:masterClrMapping/>
   </p:clrMapOvr>
+  <p:timing>
+    <p:tnLst>
+      <p:par>
+        <p:cTn id="1" dur="indefinite" restart="never" nodeType="tmRoot"/>
+      </p:par>
+    </p:tnLst>
+  </p:timing>
 </p:sld>
 </file>
 
@@ -8452,7 +8478,7 @@
           <p:cNvPr id="2" name="Title 1">
             <a:extLst>
               <a:ext uri="{FF2B5EF4-FFF2-40B4-BE49-F238E27FC236}">
-                <a16:creationId xmlns:a16="http://schemas.microsoft.com/office/drawing/2014/main" id="{AA79DED3-593B-41BC-9623-C12FA713AAEF}"/>
+                <a16:creationId xmlns:a16="http://schemas.microsoft.com/office/drawing/2014/main" xmlns="" id="{AA79DED3-593B-41BC-9623-C12FA713AAEF}"/>
               </a:ext>
             </a:extLst>
           </p:cNvPr>
@@ -8481,7 +8507,7 @@
           <p:cNvPr id="5" name="Picture 4">
             <a:extLst>
               <a:ext uri="{FF2B5EF4-FFF2-40B4-BE49-F238E27FC236}">
-                <a16:creationId xmlns:a16="http://schemas.microsoft.com/office/drawing/2014/main" id="{DC33647E-959A-4C80-929C-C33C652E920B}"/>
+                <a16:creationId xmlns:a16="http://schemas.microsoft.com/office/drawing/2014/main" xmlns="" id="{DC33647E-959A-4C80-929C-C33C652E920B}"/>
               </a:ext>
             </a:extLst>
           </p:cNvPr>
@@ -8528,6 +8554,13 @@
   <p:clrMapOvr>
     <a:masterClrMapping/>
   </p:clrMapOvr>
+  <p:timing>
+    <p:tnLst>
+      <p:par>
+        <p:cTn id="1" dur="indefinite" restart="never" nodeType="tmRoot"/>
+      </p:par>
+    </p:tnLst>
+  </p:timing>
 </p:sld>
 </file>
 
@@ -8553,7 +8586,7 @@
           <p:cNvPr id="2" name="Title 1">
             <a:extLst>
               <a:ext uri="{FF2B5EF4-FFF2-40B4-BE49-F238E27FC236}">
-                <a16:creationId xmlns:a16="http://schemas.microsoft.com/office/drawing/2014/main" id="{AA79DED3-593B-41BC-9623-C12FA713AAEF}"/>
+                <a16:creationId xmlns:a16="http://schemas.microsoft.com/office/drawing/2014/main" xmlns="" id="{AA79DED3-593B-41BC-9623-C12FA713AAEF}"/>
               </a:ext>
             </a:extLst>
           </p:cNvPr>
@@ -8582,7 +8615,7 @@
           <p:cNvPr id="3" name="Picture 2">
             <a:extLst>
               <a:ext uri="{FF2B5EF4-FFF2-40B4-BE49-F238E27FC236}">
-                <a16:creationId xmlns:a16="http://schemas.microsoft.com/office/drawing/2014/main" id="{B853E4AE-69F5-4BB9-8B69-DB266ABA713A}"/>
+                <a16:creationId xmlns:a16="http://schemas.microsoft.com/office/drawing/2014/main" xmlns="" id="{B853E4AE-69F5-4BB9-8B69-DB266ABA713A}"/>
               </a:ext>
             </a:extLst>
           </p:cNvPr>
@@ -8629,6 +8662,13 @@
   <p:clrMapOvr>
     <a:masterClrMapping/>
   </p:clrMapOvr>
+  <p:timing>
+    <p:tnLst>
+      <p:par>
+        <p:cTn id="1" dur="indefinite" restart="never" nodeType="tmRoot"/>
+      </p:par>
+    </p:tnLst>
+  </p:timing>
 </p:sld>
 </file>
 
@@ -8654,7 +8694,7 @@
           <p:cNvPr id="2" name="Title 1">
             <a:extLst>
               <a:ext uri="{FF2B5EF4-FFF2-40B4-BE49-F238E27FC236}">
-                <a16:creationId xmlns:a16="http://schemas.microsoft.com/office/drawing/2014/main" id="{AA79DED3-593B-41BC-9623-C12FA713AAEF}"/>
+                <a16:creationId xmlns:a16="http://schemas.microsoft.com/office/drawing/2014/main" xmlns="" id="{AA79DED3-593B-41BC-9623-C12FA713AAEF}"/>
               </a:ext>
             </a:extLst>
           </p:cNvPr>
@@ -8683,7 +8723,7 @@
           <p:cNvPr id="3" name="Content Placeholder 2">
             <a:extLst>
               <a:ext uri="{FF2B5EF4-FFF2-40B4-BE49-F238E27FC236}">
-                <a16:creationId xmlns:a16="http://schemas.microsoft.com/office/drawing/2014/main" id="{CD1557D0-CB1A-4B06-B256-1B03E784945D}"/>
+                <a16:creationId xmlns:a16="http://schemas.microsoft.com/office/drawing/2014/main" xmlns="" id="{CD1557D0-CB1A-4B06-B256-1B03E784945D}"/>
               </a:ext>
             </a:extLst>
           </p:cNvPr>
@@ -9020,7 +9060,7 @@
           <p:cNvPr id="4" name="Rectangle 3">
             <a:extLst>
               <a:ext uri="{FF2B5EF4-FFF2-40B4-BE49-F238E27FC236}">
-                <a16:creationId xmlns:a16="http://schemas.microsoft.com/office/drawing/2014/main" id="{3839AB87-1262-4E69-93B3-4706845DE793}"/>
+                <a16:creationId xmlns:a16="http://schemas.microsoft.com/office/drawing/2014/main" xmlns="" id="{3839AB87-1262-4E69-93B3-4706845DE793}"/>
               </a:ext>
             </a:extLst>
           </p:cNvPr>
@@ -9103,7 +9143,7 @@
           <p:cNvPr id="5" name="Rectangle 4">
             <a:extLst>
               <a:ext uri="{FF2B5EF4-FFF2-40B4-BE49-F238E27FC236}">
-                <a16:creationId xmlns:a16="http://schemas.microsoft.com/office/drawing/2014/main" id="{87019844-BC2A-455E-A332-F60288290CB0}"/>
+                <a16:creationId xmlns:a16="http://schemas.microsoft.com/office/drawing/2014/main" xmlns="" id="{87019844-BC2A-455E-A332-F60288290CB0}"/>
               </a:ext>
             </a:extLst>
           </p:cNvPr>
@@ -9195,7 +9235,7 @@
           <p:cNvPr id="6" name="Rectangle 5">
             <a:extLst>
               <a:ext uri="{FF2B5EF4-FFF2-40B4-BE49-F238E27FC236}">
-                <a16:creationId xmlns:a16="http://schemas.microsoft.com/office/drawing/2014/main" id="{9942FE08-DC60-4638-9640-24AD69495E9F}"/>
+                <a16:creationId xmlns:a16="http://schemas.microsoft.com/office/drawing/2014/main" xmlns="" id="{9942FE08-DC60-4638-9640-24AD69495E9F}"/>
               </a:ext>
             </a:extLst>
           </p:cNvPr>
@@ -9241,7 +9281,7 @@
           <p:cNvPr id="7" name="Rectangle 6">
             <a:extLst>
               <a:ext uri="{FF2B5EF4-FFF2-40B4-BE49-F238E27FC236}">
-                <a16:creationId xmlns:a16="http://schemas.microsoft.com/office/drawing/2014/main" id="{43F57381-8DEB-4AE3-8A81-0D34FB5E38AF}"/>
+                <a16:creationId xmlns:a16="http://schemas.microsoft.com/office/drawing/2014/main" xmlns="" id="{43F57381-8DEB-4AE3-8A81-0D34FB5E38AF}"/>
               </a:ext>
             </a:extLst>
           </p:cNvPr>
@@ -9289,7 +9329,7 @@
           <p:cNvPr id="8" name="Rectangle 7">
             <a:extLst>
               <a:ext uri="{FF2B5EF4-FFF2-40B4-BE49-F238E27FC236}">
-                <a16:creationId xmlns:a16="http://schemas.microsoft.com/office/drawing/2014/main" id="{E396A370-273D-4A58-9A60-D39400E5FAAF}"/>
+                <a16:creationId xmlns:a16="http://schemas.microsoft.com/office/drawing/2014/main" xmlns="" id="{E396A370-273D-4A58-9A60-D39400E5FAAF}"/>
               </a:ext>
             </a:extLst>
           </p:cNvPr>
@@ -9342,6 +9382,13 @@
   <p:clrMapOvr>
     <a:masterClrMapping/>
   </p:clrMapOvr>
+  <p:timing>
+    <p:tnLst>
+      <p:par>
+        <p:cTn id="1" dur="indefinite" restart="never" nodeType="tmRoot"/>
+      </p:par>
+    </p:tnLst>
+  </p:timing>
 </p:sld>
 </file>
 
@@ -9367,7 +9414,7 @@
           <p:cNvPr id="2" name="Title 1">
             <a:extLst>
               <a:ext uri="{FF2B5EF4-FFF2-40B4-BE49-F238E27FC236}">
-                <a16:creationId xmlns:a16="http://schemas.microsoft.com/office/drawing/2014/main" id="{AA79DED3-593B-41BC-9623-C12FA713AAEF}"/>
+                <a16:creationId xmlns:a16="http://schemas.microsoft.com/office/drawing/2014/main" xmlns="" id="{AA79DED3-593B-41BC-9623-C12FA713AAEF}"/>
               </a:ext>
             </a:extLst>
           </p:cNvPr>
@@ -9396,7 +9443,7 @@
           <p:cNvPr id="3" name="Content Placeholder 2">
             <a:extLst>
               <a:ext uri="{FF2B5EF4-FFF2-40B4-BE49-F238E27FC236}">
-                <a16:creationId xmlns:a16="http://schemas.microsoft.com/office/drawing/2014/main" id="{CD1557D0-CB1A-4B06-B256-1B03E784945D}"/>
+                <a16:creationId xmlns:a16="http://schemas.microsoft.com/office/drawing/2014/main" xmlns="" id="{CD1557D0-CB1A-4B06-B256-1B03E784945D}"/>
               </a:ext>
             </a:extLst>
           </p:cNvPr>
@@ -10935,7 +10982,7 @@
           <p:cNvPr id="4" name="Rectangle 3">
             <a:extLst>
               <a:ext uri="{FF2B5EF4-FFF2-40B4-BE49-F238E27FC236}">
-                <a16:creationId xmlns:a16="http://schemas.microsoft.com/office/drawing/2014/main" id="{3839AB87-1262-4E69-93B3-4706845DE793}"/>
+                <a16:creationId xmlns:a16="http://schemas.microsoft.com/office/drawing/2014/main" xmlns="" id="{3839AB87-1262-4E69-93B3-4706845DE793}"/>
               </a:ext>
             </a:extLst>
           </p:cNvPr>
@@ -11018,7 +11065,7 @@
           <p:cNvPr id="5" name="Rectangle 4">
             <a:extLst>
               <a:ext uri="{FF2B5EF4-FFF2-40B4-BE49-F238E27FC236}">
-                <a16:creationId xmlns:a16="http://schemas.microsoft.com/office/drawing/2014/main" id="{87019844-BC2A-455E-A332-F60288290CB0}"/>
+                <a16:creationId xmlns:a16="http://schemas.microsoft.com/office/drawing/2014/main" xmlns="" id="{87019844-BC2A-455E-A332-F60288290CB0}"/>
               </a:ext>
             </a:extLst>
           </p:cNvPr>
@@ -11110,7 +11157,7 @@
           <p:cNvPr id="6" name="Rectangle 5">
             <a:extLst>
               <a:ext uri="{FF2B5EF4-FFF2-40B4-BE49-F238E27FC236}">
-                <a16:creationId xmlns:a16="http://schemas.microsoft.com/office/drawing/2014/main" id="{9942FE08-DC60-4638-9640-24AD69495E9F}"/>
+                <a16:creationId xmlns:a16="http://schemas.microsoft.com/office/drawing/2014/main" xmlns="" id="{9942FE08-DC60-4638-9640-24AD69495E9F}"/>
               </a:ext>
             </a:extLst>
           </p:cNvPr>
@@ -11156,7 +11203,7 @@
           <p:cNvPr id="7" name="Rectangle 6">
             <a:extLst>
               <a:ext uri="{FF2B5EF4-FFF2-40B4-BE49-F238E27FC236}">
-                <a16:creationId xmlns:a16="http://schemas.microsoft.com/office/drawing/2014/main" id="{43F57381-8DEB-4AE3-8A81-0D34FB5E38AF}"/>
+                <a16:creationId xmlns:a16="http://schemas.microsoft.com/office/drawing/2014/main" xmlns="" id="{43F57381-8DEB-4AE3-8A81-0D34FB5E38AF}"/>
               </a:ext>
             </a:extLst>
           </p:cNvPr>
@@ -11204,7 +11251,7 @@
           <p:cNvPr id="8" name="Rectangle 7">
             <a:extLst>
               <a:ext uri="{FF2B5EF4-FFF2-40B4-BE49-F238E27FC236}">
-                <a16:creationId xmlns:a16="http://schemas.microsoft.com/office/drawing/2014/main" id="{E396A370-273D-4A58-9A60-D39400E5FAAF}"/>
+                <a16:creationId xmlns:a16="http://schemas.microsoft.com/office/drawing/2014/main" xmlns="" id="{E396A370-273D-4A58-9A60-D39400E5FAAF}"/>
               </a:ext>
             </a:extLst>
           </p:cNvPr>
@@ -11252,7 +11299,7 @@
           <p:cNvPr id="9" name="Rectangle 8">
             <a:extLst>
               <a:ext uri="{FF2B5EF4-FFF2-40B4-BE49-F238E27FC236}">
-                <a16:creationId xmlns:a16="http://schemas.microsoft.com/office/drawing/2014/main" id="{E1FFB54B-05D8-4E77-ACB9-438BE901371B}"/>
+                <a16:creationId xmlns:a16="http://schemas.microsoft.com/office/drawing/2014/main" xmlns="" id="{E1FFB54B-05D8-4E77-ACB9-438BE901371B}"/>
               </a:ext>
             </a:extLst>
           </p:cNvPr>
@@ -11300,7 +11347,7 @@
           <p:cNvPr id="10" name="Rectangle 9">
             <a:extLst>
               <a:ext uri="{FF2B5EF4-FFF2-40B4-BE49-F238E27FC236}">
-                <a16:creationId xmlns:a16="http://schemas.microsoft.com/office/drawing/2014/main" id="{39186CC8-7AB7-4EC0-BAB7-DBE9325F6AA2}"/>
+                <a16:creationId xmlns:a16="http://schemas.microsoft.com/office/drawing/2014/main" xmlns="" id="{39186CC8-7AB7-4EC0-BAB7-DBE9325F6AA2}"/>
               </a:ext>
             </a:extLst>
           </p:cNvPr>
@@ -11348,7 +11395,7 @@
           <p:cNvPr id="11" name="Rectangle 10">
             <a:extLst>
               <a:ext uri="{FF2B5EF4-FFF2-40B4-BE49-F238E27FC236}">
-                <a16:creationId xmlns:a16="http://schemas.microsoft.com/office/drawing/2014/main" id="{3E963296-62A8-4217-892A-9E416750AADB}"/>
+                <a16:creationId xmlns:a16="http://schemas.microsoft.com/office/drawing/2014/main" xmlns="" id="{3E963296-62A8-4217-892A-9E416750AADB}"/>
               </a:ext>
             </a:extLst>
           </p:cNvPr>
@@ -11396,7 +11443,7 @@
           <p:cNvPr id="12" name="Rectangle 11">
             <a:extLst>
               <a:ext uri="{FF2B5EF4-FFF2-40B4-BE49-F238E27FC236}">
-                <a16:creationId xmlns:a16="http://schemas.microsoft.com/office/drawing/2014/main" id="{BC30F75B-E805-405A-BD31-C9A24FD647C3}"/>
+                <a16:creationId xmlns:a16="http://schemas.microsoft.com/office/drawing/2014/main" xmlns="" id="{BC30F75B-E805-405A-BD31-C9A24FD647C3}"/>
               </a:ext>
             </a:extLst>
           </p:cNvPr>
@@ -11444,7 +11491,7 @@
           <p:cNvPr id="13" name="Rectangle 12">
             <a:extLst>
               <a:ext uri="{FF2B5EF4-FFF2-40B4-BE49-F238E27FC236}">
-                <a16:creationId xmlns:a16="http://schemas.microsoft.com/office/drawing/2014/main" id="{C6BA354B-F310-4A97-9B72-7195936B0194}"/>
+                <a16:creationId xmlns:a16="http://schemas.microsoft.com/office/drawing/2014/main" xmlns="" id="{C6BA354B-F310-4A97-9B72-7195936B0194}"/>
               </a:ext>
             </a:extLst>
           </p:cNvPr>
@@ -11497,6 +11544,13 @@
   <p:clrMapOvr>
     <a:masterClrMapping/>
   </p:clrMapOvr>
+  <p:timing>
+    <p:tnLst>
+      <p:par>
+        <p:cTn id="1" dur="indefinite" restart="never" nodeType="tmRoot"/>
+      </p:par>
+    </p:tnLst>
+  </p:timing>
 </p:sld>
 </file>
 
@@ -11522,7 +11576,7 @@
           <p:cNvPr id="2" name="Title 1">
             <a:extLst>
               <a:ext uri="{FF2B5EF4-FFF2-40B4-BE49-F238E27FC236}">
-                <a16:creationId xmlns:a16="http://schemas.microsoft.com/office/drawing/2014/main" id="{AA79DED3-593B-41BC-9623-C12FA713AAEF}"/>
+                <a16:creationId xmlns:a16="http://schemas.microsoft.com/office/drawing/2014/main" xmlns="" id="{AA79DED3-593B-41BC-9623-C12FA713AAEF}"/>
               </a:ext>
             </a:extLst>
           </p:cNvPr>
@@ -11551,7 +11605,7 @@
           <p:cNvPr id="14" name="Rectangle 13">
             <a:extLst>
               <a:ext uri="{FF2B5EF4-FFF2-40B4-BE49-F238E27FC236}">
-                <a16:creationId xmlns:a16="http://schemas.microsoft.com/office/drawing/2014/main" id="{361ED15F-E65F-474F-8E05-6E046B8C5F12}"/>
+                <a16:creationId xmlns:a16="http://schemas.microsoft.com/office/drawing/2014/main" xmlns="" id="{361ED15F-E65F-474F-8E05-6E046B8C5F12}"/>
               </a:ext>
             </a:extLst>
           </p:cNvPr>
@@ -11599,7 +11653,7 @@
           <p:cNvPr id="17" name="Rectangle 16">
             <a:extLst>
               <a:ext uri="{FF2B5EF4-FFF2-40B4-BE49-F238E27FC236}">
-                <a16:creationId xmlns:a16="http://schemas.microsoft.com/office/drawing/2014/main" id="{DB6B007D-5FAF-4056-ACAB-37494589E21C}"/>
+                <a16:creationId xmlns:a16="http://schemas.microsoft.com/office/drawing/2014/main" xmlns="" id="{DB6B007D-5FAF-4056-ACAB-37494589E21C}"/>
               </a:ext>
             </a:extLst>
           </p:cNvPr>
@@ -11647,7 +11701,7 @@
           <p:cNvPr id="18" name="Rectangle 17">
             <a:extLst>
               <a:ext uri="{FF2B5EF4-FFF2-40B4-BE49-F238E27FC236}">
-                <a16:creationId xmlns:a16="http://schemas.microsoft.com/office/drawing/2014/main" id="{19A59480-2FED-4AC5-9948-610E1239C4FA}"/>
+                <a16:creationId xmlns:a16="http://schemas.microsoft.com/office/drawing/2014/main" xmlns="" id="{19A59480-2FED-4AC5-9948-610E1239C4FA}"/>
               </a:ext>
             </a:extLst>
           </p:cNvPr>
@@ -11695,7 +11749,7 @@
           <p:cNvPr id="19" name="Rectangle 18">
             <a:extLst>
               <a:ext uri="{FF2B5EF4-FFF2-40B4-BE49-F238E27FC236}">
-                <a16:creationId xmlns:a16="http://schemas.microsoft.com/office/drawing/2014/main" id="{7A6F7B51-D4F9-4137-B3C6-A73F24C62F64}"/>
+                <a16:creationId xmlns:a16="http://schemas.microsoft.com/office/drawing/2014/main" xmlns="" id="{7A6F7B51-D4F9-4137-B3C6-A73F24C62F64}"/>
               </a:ext>
             </a:extLst>
           </p:cNvPr>
@@ -11743,7 +11797,7 @@
           <p:cNvPr id="20" name="Rectangle 19">
             <a:extLst>
               <a:ext uri="{FF2B5EF4-FFF2-40B4-BE49-F238E27FC236}">
-                <a16:creationId xmlns:a16="http://schemas.microsoft.com/office/drawing/2014/main" id="{BC30C779-919E-4F47-B83F-7B4EE45602C2}"/>
+                <a16:creationId xmlns:a16="http://schemas.microsoft.com/office/drawing/2014/main" xmlns="" id="{BC30C779-919E-4F47-B83F-7B4EE45602C2}"/>
               </a:ext>
             </a:extLst>
           </p:cNvPr>
@@ -11831,7 +11885,7 @@
           <p:cNvPr id="21" name="Rectangle 20">
             <a:extLst>
               <a:ext uri="{FF2B5EF4-FFF2-40B4-BE49-F238E27FC236}">
-                <a16:creationId xmlns:a16="http://schemas.microsoft.com/office/drawing/2014/main" id="{66EF20FF-D5AA-4B83-8E49-868E7536915B}"/>
+                <a16:creationId xmlns:a16="http://schemas.microsoft.com/office/drawing/2014/main" xmlns="" id="{66EF20FF-D5AA-4B83-8E49-868E7536915B}"/>
               </a:ext>
             </a:extLst>
           </p:cNvPr>
@@ -12068,7 +12122,7 @@
           <p:cNvPr id="22" name="Rectangle 21">
             <a:extLst>
               <a:ext uri="{FF2B5EF4-FFF2-40B4-BE49-F238E27FC236}">
-                <a16:creationId xmlns:a16="http://schemas.microsoft.com/office/drawing/2014/main" id="{CC01C195-E1E5-413A-BFC1-D21A7FD681F5}"/>
+                <a16:creationId xmlns:a16="http://schemas.microsoft.com/office/drawing/2014/main" xmlns="" id="{CC01C195-E1E5-413A-BFC1-D21A7FD681F5}"/>
               </a:ext>
             </a:extLst>
           </p:cNvPr>
@@ -12357,7 +12411,7 @@
           <p:cNvPr id="23" name="Rectangle 22">
             <a:extLst>
               <a:ext uri="{FF2B5EF4-FFF2-40B4-BE49-F238E27FC236}">
-                <a16:creationId xmlns:a16="http://schemas.microsoft.com/office/drawing/2014/main" id="{7AC6A832-BCBC-40F1-815D-31832C9CA146}"/>
+                <a16:creationId xmlns:a16="http://schemas.microsoft.com/office/drawing/2014/main" xmlns="" id="{7AC6A832-BCBC-40F1-815D-31832C9CA146}"/>
               </a:ext>
             </a:extLst>
           </p:cNvPr>
@@ -12603,6 +12657,13 @@
   <p:clrMapOvr>
     <a:masterClrMapping/>
   </p:clrMapOvr>
+  <p:timing>
+    <p:tnLst>
+      <p:par>
+        <p:cTn id="1" dur="indefinite" restart="never" nodeType="tmRoot"/>
+      </p:par>
+    </p:tnLst>
+  </p:timing>
 </p:sld>
 </file>
 
@@ -12628,7 +12689,7 @@
           <p:cNvPr id="2" name="Title 1">
             <a:extLst>
               <a:ext uri="{FF2B5EF4-FFF2-40B4-BE49-F238E27FC236}">
-                <a16:creationId xmlns:a16="http://schemas.microsoft.com/office/drawing/2014/main" id="{AA79DED3-593B-41BC-9623-C12FA713AAEF}"/>
+                <a16:creationId xmlns:a16="http://schemas.microsoft.com/office/drawing/2014/main" xmlns="" id="{AA79DED3-593B-41BC-9623-C12FA713AAEF}"/>
               </a:ext>
             </a:extLst>
           </p:cNvPr>
@@ -12657,7 +12718,7 @@
           <p:cNvPr id="14" name="Rectangle 13">
             <a:extLst>
               <a:ext uri="{FF2B5EF4-FFF2-40B4-BE49-F238E27FC236}">
-                <a16:creationId xmlns:a16="http://schemas.microsoft.com/office/drawing/2014/main" id="{361ED15F-E65F-474F-8E05-6E046B8C5F12}"/>
+                <a16:creationId xmlns:a16="http://schemas.microsoft.com/office/drawing/2014/main" xmlns="" id="{361ED15F-E65F-474F-8E05-6E046B8C5F12}"/>
               </a:ext>
             </a:extLst>
           </p:cNvPr>
@@ -12830,6 +12891,13 @@
   <p:clrMapOvr>
     <a:masterClrMapping/>
   </p:clrMapOvr>
+  <p:timing>
+    <p:tnLst>
+      <p:par>
+        <p:cTn id="1" dur="indefinite" restart="never" nodeType="tmRoot"/>
+      </p:par>
+    </p:tnLst>
+  </p:timing>
 </p:sld>
 </file>
 
@@ -12855,7 +12923,7 @@
           <p:cNvPr id="2" name="Title 1">
             <a:extLst>
               <a:ext uri="{FF2B5EF4-FFF2-40B4-BE49-F238E27FC236}">
-                <a16:creationId xmlns:a16="http://schemas.microsoft.com/office/drawing/2014/main" id="{AA79DED3-593B-41BC-9623-C12FA713AAEF}"/>
+                <a16:creationId xmlns:a16="http://schemas.microsoft.com/office/drawing/2014/main" xmlns="" id="{AA79DED3-593B-41BC-9623-C12FA713AAEF}"/>
               </a:ext>
             </a:extLst>
           </p:cNvPr>
@@ -12884,7 +12952,7 @@
           <p:cNvPr id="14" name="Rectangle 13">
             <a:extLst>
               <a:ext uri="{FF2B5EF4-FFF2-40B4-BE49-F238E27FC236}">
-                <a16:creationId xmlns:a16="http://schemas.microsoft.com/office/drawing/2014/main" id="{361ED15F-E65F-474F-8E05-6E046B8C5F12}"/>
+                <a16:creationId xmlns:a16="http://schemas.microsoft.com/office/drawing/2014/main" xmlns="" id="{361ED15F-E65F-474F-8E05-6E046B8C5F12}"/>
               </a:ext>
             </a:extLst>
           </p:cNvPr>
@@ -13004,7 +13072,7 @@
           <p:cNvPr id="3" name="Rectangle 2">
             <a:extLst>
               <a:ext uri="{FF2B5EF4-FFF2-40B4-BE49-F238E27FC236}">
-                <a16:creationId xmlns:a16="http://schemas.microsoft.com/office/drawing/2014/main" id="{E5CBEBA6-5F15-4296-8E5F-B729ECD439E7}"/>
+                <a16:creationId xmlns:a16="http://schemas.microsoft.com/office/drawing/2014/main" xmlns="" id="{E5CBEBA6-5F15-4296-8E5F-B729ECD439E7}"/>
               </a:ext>
             </a:extLst>
           </p:cNvPr>
@@ -13051,7 +13119,7 @@
           <p:cNvPr id="5" name="Rectangle 4">
             <a:extLst>
               <a:ext uri="{FF2B5EF4-FFF2-40B4-BE49-F238E27FC236}">
-                <a16:creationId xmlns:a16="http://schemas.microsoft.com/office/drawing/2014/main" id="{D02384F0-47D3-4029-86F3-6388A32EFD27}"/>
+                <a16:creationId xmlns:a16="http://schemas.microsoft.com/office/drawing/2014/main" xmlns="" id="{D02384F0-47D3-4029-86F3-6388A32EFD27}"/>
               </a:ext>
             </a:extLst>
           </p:cNvPr>
@@ -13098,7 +13166,7 @@
           <p:cNvPr id="8" name="Rectangle 7">
             <a:extLst>
               <a:ext uri="{FF2B5EF4-FFF2-40B4-BE49-F238E27FC236}">
-                <a16:creationId xmlns:a16="http://schemas.microsoft.com/office/drawing/2014/main" id="{DA570358-3B59-4D54-90AD-22AD486BA9F2}"/>
+                <a16:creationId xmlns:a16="http://schemas.microsoft.com/office/drawing/2014/main" xmlns="" id="{DA570358-3B59-4D54-90AD-22AD486BA9F2}"/>
               </a:ext>
             </a:extLst>
           </p:cNvPr>
@@ -13145,7 +13213,7 @@
           <p:cNvPr id="9" name="Rectangle 8">
             <a:extLst>
               <a:ext uri="{FF2B5EF4-FFF2-40B4-BE49-F238E27FC236}">
-                <a16:creationId xmlns:a16="http://schemas.microsoft.com/office/drawing/2014/main" id="{7A43B9DE-DCB5-47D5-86C9-4C77E1637623}"/>
+                <a16:creationId xmlns:a16="http://schemas.microsoft.com/office/drawing/2014/main" xmlns="" id="{7A43B9DE-DCB5-47D5-86C9-4C77E1637623}"/>
               </a:ext>
             </a:extLst>
           </p:cNvPr>
@@ -13197,6 +13265,13 @@
   <p:clrMapOvr>
     <a:masterClrMapping/>
   </p:clrMapOvr>
+  <p:timing>
+    <p:tnLst>
+      <p:par>
+        <p:cTn id="1" dur="indefinite" restart="never" nodeType="tmRoot"/>
+      </p:par>
+    </p:tnLst>
+  </p:timing>
 </p:sld>
 </file>
 
@@ -13222,7 +13297,7 @@
           <p:cNvPr id="2" name="Title 1">
             <a:extLst>
               <a:ext uri="{FF2B5EF4-FFF2-40B4-BE49-F238E27FC236}">
-                <a16:creationId xmlns:a16="http://schemas.microsoft.com/office/drawing/2014/main" id="{AA79DED3-593B-41BC-9623-C12FA713AAEF}"/>
+                <a16:creationId xmlns:a16="http://schemas.microsoft.com/office/drawing/2014/main" xmlns="" id="{AA79DED3-593B-41BC-9623-C12FA713AAEF}"/>
               </a:ext>
             </a:extLst>
           </p:cNvPr>
@@ -13251,7 +13326,7 @@
           <p:cNvPr id="14" name="Rectangle 13">
             <a:extLst>
               <a:ext uri="{FF2B5EF4-FFF2-40B4-BE49-F238E27FC236}">
-                <a16:creationId xmlns:a16="http://schemas.microsoft.com/office/drawing/2014/main" id="{361ED15F-E65F-474F-8E05-6E046B8C5F12}"/>
+                <a16:creationId xmlns:a16="http://schemas.microsoft.com/office/drawing/2014/main" xmlns="" id="{361ED15F-E65F-474F-8E05-6E046B8C5F12}"/>
               </a:ext>
             </a:extLst>
           </p:cNvPr>
@@ -13299,7 +13374,7 @@
           <p:cNvPr id="17" name="Rectangle 16">
             <a:extLst>
               <a:ext uri="{FF2B5EF4-FFF2-40B4-BE49-F238E27FC236}">
-                <a16:creationId xmlns:a16="http://schemas.microsoft.com/office/drawing/2014/main" id="{DB6B007D-5FAF-4056-ACAB-37494589E21C}"/>
+                <a16:creationId xmlns:a16="http://schemas.microsoft.com/office/drawing/2014/main" xmlns="" id="{DB6B007D-5FAF-4056-ACAB-37494589E21C}"/>
               </a:ext>
             </a:extLst>
           </p:cNvPr>
@@ -13347,7 +13422,7 @@
           <p:cNvPr id="22" name="Rectangle 21">
             <a:extLst>
               <a:ext uri="{FF2B5EF4-FFF2-40B4-BE49-F238E27FC236}">
-                <a16:creationId xmlns:a16="http://schemas.microsoft.com/office/drawing/2014/main" id="{CC01C195-E1E5-413A-BFC1-D21A7FD681F5}"/>
+                <a16:creationId xmlns:a16="http://schemas.microsoft.com/office/drawing/2014/main" xmlns="" id="{CC01C195-E1E5-413A-BFC1-D21A7FD681F5}"/>
               </a:ext>
             </a:extLst>
           </p:cNvPr>
@@ -13418,7 +13493,7 @@
           <p:cNvPr id="23" name="Rectangle 22">
             <a:extLst>
               <a:ext uri="{FF2B5EF4-FFF2-40B4-BE49-F238E27FC236}">
-                <a16:creationId xmlns:a16="http://schemas.microsoft.com/office/drawing/2014/main" id="{7AC6A832-BCBC-40F1-815D-31832C9CA146}"/>
+                <a16:creationId xmlns:a16="http://schemas.microsoft.com/office/drawing/2014/main" xmlns="" id="{7AC6A832-BCBC-40F1-815D-31832C9CA146}"/>
               </a:ext>
             </a:extLst>
           </p:cNvPr>
@@ -13545,7 +13620,7 @@
           <p:cNvPr id="11" name="Rectangle 10">
             <a:extLst>
               <a:ext uri="{FF2B5EF4-FFF2-40B4-BE49-F238E27FC236}">
-                <a16:creationId xmlns:a16="http://schemas.microsoft.com/office/drawing/2014/main" id="{DB63AAD5-A5F5-4994-BA53-0288305D2623}"/>
+                <a16:creationId xmlns:a16="http://schemas.microsoft.com/office/drawing/2014/main" xmlns="" id="{DB63AAD5-A5F5-4994-BA53-0288305D2623}"/>
               </a:ext>
             </a:extLst>
           </p:cNvPr>
@@ -13593,7 +13668,7 @@
           <p:cNvPr id="12" name="Rectangle 11">
             <a:extLst>
               <a:ext uri="{FF2B5EF4-FFF2-40B4-BE49-F238E27FC236}">
-                <a16:creationId xmlns:a16="http://schemas.microsoft.com/office/drawing/2014/main" id="{AA23F637-B146-47EC-B60E-7381CFC3455B}"/>
+                <a16:creationId xmlns:a16="http://schemas.microsoft.com/office/drawing/2014/main" xmlns="" id="{AA23F637-B146-47EC-B60E-7381CFC3455B}"/>
               </a:ext>
             </a:extLst>
           </p:cNvPr>
@@ -13770,7 +13845,7 @@
           <p:cNvPr id="13" name="Rectangle 12">
             <a:extLst>
               <a:ext uri="{FF2B5EF4-FFF2-40B4-BE49-F238E27FC236}">
-                <a16:creationId xmlns:a16="http://schemas.microsoft.com/office/drawing/2014/main" id="{922B33CC-F49E-48CC-AE87-AFB38FABBAF3}"/>
+                <a16:creationId xmlns:a16="http://schemas.microsoft.com/office/drawing/2014/main" xmlns="" id="{922B33CC-F49E-48CC-AE87-AFB38FABBAF3}"/>
               </a:ext>
             </a:extLst>
           </p:cNvPr>
@@ -13818,7 +13893,7 @@
           <p:cNvPr id="15" name="Rectangle 14">
             <a:extLst>
               <a:ext uri="{FF2B5EF4-FFF2-40B4-BE49-F238E27FC236}">
-                <a16:creationId xmlns:a16="http://schemas.microsoft.com/office/drawing/2014/main" id="{F13AB52A-A348-440D-B5D2-3CB3C4980AC9}"/>
+                <a16:creationId xmlns:a16="http://schemas.microsoft.com/office/drawing/2014/main" xmlns="" id="{F13AB52A-A348-440D-B5D2-3CB3C4980AC9}"/>
               </a:ext>
             </a:extLst>
           </p:cNvPr>
@@ -13947,6 +14022,13 @@
   <p:clrMapOvr>
     <a:masterClrMapping/>
   </p:clrMapOvr>
+  <p:timing>
+    <p:tnLst>
+      <p:par>
+        <p:cTn id="1" dur="indefinite" restart="never" nodeType="tmRoot"/>
+      </p:par>
+    </p:tnLst>
+  </p:timing>
 </p:sld>
 </file>
 
@@ -13972,7 +14054,7 @@
           <p:cNvPr id="2" name="Title 1">
             <a:extLst>
               <a:ext uri="{FF2B5EF4-FFF2-40B4-BE49-F238E27FC236}">
-                <a16:creationId xmlns:a16="http://schemas.microsoft.com/office/drawing/2014/main" id="{AA79DED3-593B-41BC-9623-C12FA713AAEF}"/>
+                <a16:creationId xmlns:a16="http://schemas.microsoft.com/office/drawing/2014/main" xmlns="" id="{AA79DED3-593B-41BC-9623-C12FA713AAEF}"/>
               </a:ext>
             </a:extLst>
           </p:cNvPr>
@@ -14001,7 +14083,7 @@
           <p:cNvPr id="3" name="Content Placeholder 2">
             <a:extLst>
               <a:ext uri="{FF2B5EF4-FFF2-40B4-BE49-F238E27FC236}">
-                <a16:creationId xmlns:a16="http://schemas.microsoft.com/office/drawing/2014/main" id="{CD1557D0-CB1A-4B06-B256-1B03E784945D}"/>
+                <a16:creationId xmlns:a16="http://schemas.microsoft.com/office/drawing/2014/main" xmlns="" id="{CD1557D0-CB1A-4B06-B256-1B03E784945D}"/>
               </a:ext>
             </a:extLst>
           </p:cNvPr>
@@ -14210,7 +14292,7 @@
           <p:cNvPr id="10" name="TextBox 9">
             <a:extLst>
               <a:ext uri="{FF2B5EF4-FFF2-40B4-BE49-F238E27FC236}">
-                <a16:creationId xmlns:a16="http://schemas.microsoft.com/office/drawing/2014/main" id="{26BE9A87-EC0C-4679-BF22-F2C40B32214D}"/>
+                <a16:creationId xmlns:a16="http://schemas.microsoft.com/office/drawing/2014/main" xmlns="" id="{26BE9A87-EC0C-4679-BF22-F2C40B32214D}"/>
               </a:ext>
             </a:extLst>
           </p:cNvPr>
@@ -14245,7 +14327,7 @@
           <p:cNvPr id="11" name="Content Placeholder 2">
             <a:extLst>
               <a:ext uri="{FF2B5EF4-FFF2-40B4-BE49-F238E27FC236}">
-                <a16:creationId xmlns:a16="http://schemas.microsoft.com/office/drawing/2014/main" id="{4D5378EF-386D-4D26-9E30-BF3D791FE44F}"/>
+                <a16:creationId xmlns:a16="http://schemas.microsoft.com/office/drawing/2014/main" xmlns="" id="{4D5378EF-386D-4D26-9E30-BF3D791FE44F}"/>
               </a:ext>
             </a:extLst>
           </p:cNvPr>
@@ -14533,6 +14615,13 @@
   <p:clrMapOvr>
     <a:masterClrMapping/>
   </p:clrMapOvr>
+  <p:timing>
+    <p:tnLst>
+      <p:par>
+        <p:cTn id="1" dur="indefinite" restart="never" nodeType="tmRoot"/>
+      </p:par>
+    </p:tnLst>
+  </p:timing>
 </p:sld>
 </file>
 
@@ -14558,7 +14647,7 @@
           <p:cNvPr id="2" name="Title 1">
             <a:extLst>
               <a:ext uri="{FF2B5EF4-FFF2-40B4-BE49-F238E27FC236}">
-                <a16:creationId xmlns:a16="http://schemas.microsoft.com/office/drawing/2014/main" id="{AA79DED3-593B-41BC-9623-C12FA713AAEF}"/>
+                <a16:creationId xmlns:a16="http://schemas.microsoft.com/office/drawing/2014/main" xmlns="" id="{AA79DED3-593B-41BC-9623-C12FA713AAEF}"/>
               </a:ext>
             </a:extLst>
           </p:cNvPr>
@@ -14587,7 +14676,7 @@
           <p:cNvPr id="3" name="Content Placeholder 2">
             <a:extLst>
               <a:ext uri="{FF2B5EF4-FFF2-40B4-BE49-F238E27FC236}">
-                <a16:creationId xmlns:a16="http://schemas.microsoft.com/office/drawing/2014/main" id="{CD1557D0-CB1A-4B06-B256-1B03E784945D}"/>
+                <a16:creationId xmlns:a16="http://schemas.microsoft.com/office/drawing/2014/main" xmlns="" id="{CD1557D0-CB1A-4B06-B256-1B03E784945D}"/>
               </a:ext>
             </a:extLst>
           </p:cNvPr>
@@ -14700,7 +14789,7 @@
           <p:cNvPr id="10" name="TextBox 9">
             <a:extLst>
               <a:ext uri="{FF2B5EF4-FFF2-40B4-BE49-F238E27FC236}">
-                <a16:creationId xmlns:a16="http://schemas.microsoft.com/office/drawing/2014/main" id="{26BE9A87-EC0C-4679-BF22-F2C40B32214D}"/>
+                <a16:creationId xmlns:a16="http://schemas.microsoft.com/office/drawing/2014/main" xmlns="" id="{26BE9A87-EC0C-4679-BF22-F2C40B32214D}"/>
               </a:ext>
             </a:extLst>
           </p:cNvPr>
@@ -14735,7 +14824,7 @@
           <p:cNvPr id="6" name="Content Placeholder 2">
             <a:extLst>
               <a:ext uri="{FF2B5EF4-FFF2-40B4-BE49-F238E27FC236}">
-                <a16:creationId xmlns:a16="http://schemas.microsoft.com/office/drawing/2014/main" id="{5F39FC6A-0AE2-4AB7-93FE-56BF291362F3}"/>
+                <a16:creationId xmlns:a16="http://schemas.microsoft.com/office/drawing/2014/main" xmlns="" id="{5F39FC6A-0AE2-4AB7-93FE-56BF291362F3}"/>
               </a:ext>
             </a:extLst>
           </p:cNvPr>
@@ -15014,7 +15103,7 @@
           <p:cNvPr id="7" name="Content Placeholder 2">
             <a:extLst>
               <a:ext uri="{FF2B5EF4-FFF2-40B4-BE49-F238E27FC236}">
-                <a16:creationId xmlns:a16="http://schemas.microsoft.com/office/drawing/2014/main" id="{ED4B9E7E-8E56-4FDA-8A3F-F6E3F74ED917}"/>
+                <a16:creationId xmlns:a16="http://schemas.microsoft.com/office/drawing/2014/main" xmlns="" id="{ED4B9E7E-8E56-4FDA-8A3F-F6E3F74ED917}"/>
               </a:ext>
             </a:extLst>
           </p:cNvPr>
@@ -15241,7 +15330,7 @@
           <p:cNvPr id="8" name="Content Placeholder 2">
             <a:extLst>
               <a:ext uri="{FF2B5EF4-FFF2-40B4-BE49-F238E27FC236}">
-                <a16:creationId xmlns:a16="http://schemas.microsoft.com/office/drawing/2014/main" id="{2EE2F016-928D-433B-867B-06E56FC2C07F}"/>
+                <a16:creationId xmlns:a16="http://schemas.microsoft.com/office/drawing/2014/main" xmlns="" id="{2EE2F016-928D-433B-867B-06E56FC2C07F}"/>
               </a:ext>
             </a:extLst>
           </p:cNvPr>
@@ -15529,6 +15618,13 @@
   <p:clrMapOvr>
     <a:masterClrMapping/>
   </p:clrMapOvr>
+  <p:timing>
+    <p:tnLst>
+      <p:par>
+        <p:cTn id="1" dur="indefinite" restart="never" nodeType="tmRoot"/>
+      </p:par>
+    </p:tnLst>
+  </p:timing>
 </p:sld>
 </file>
 
